--- a/PPT.pptx
+++ b/PPT.pptx
@@ -6,7 +6,8 @@
   </p:sldMasterIdLst>
   <p:sldIdLst>
     <p:sldId id="256" r:id="rId2"/>
-    <p:sldId id="257" r:id="rId3"/>
+    <p:sldId id="258" r:id="rId3"/>
+    <p:sldId id="257" r:id="rId4"/>
   </p:sldIdLst>
   <p:sldSz cx="9144000" cy="6858000" type="screen4x3"/>
   <p:notesSz cx="6858000" cy="9144000"/>
@@ -3112,6 +3113,259 @@
 </file>
 
 <file path=ppt/slides/slide2.xml><?xml version="1.0" encoding="utf-8"?>
+<p:sld xmlns:a="http://schemas.openxmlformats.org/drawingml/2006/main" xmlns:r="http://schemas.openxmlformats.org/officeDocument/2006/relationships" xmlns:p="http://schemas.openxmlformats.org/presentationml/2006/main">
+  <p:cSld>
+    <p:spTree>
+      <p:nvGrpSpPr>
+        <p:cNvPr id="1" name=""/>
+        <p:cNvGrpSpPr/>
+        <p:nvPr/>
+      </p:nvGrpSpPr>
+      <p:grpSpPr>
+        <a:xfrm>
+          <a:off x="0" y="0"/>
+          <a:ext cx="0" cy="0"/>
+          <a:chOff x="0" y="0"/>
+          <a:chExt cx="0" cy="0"/>
+        </a:xfrm>
+      </p:grpSpPr>
+      <p:sp>
+        <p:nvSpPr>
+          <p:cNvPr id="2" name="Title 1"/>
+          <p:cNvSpPr>
+            <a:spLocks noGrp="1"/>
+          </p:cNvSpPr>
+          <p:nvPr>
+            <p:ph type="title"/>
+          </p:nvPr>
+        </p:nvSpPr>
+        <p:spPr>
+          <a:xfrm>
+            <a:off x="533400" y="5867400"/>
+            <a:ext cx="8183880" cy="701040"/>
+          </a:xfrm>
+        </p:spPr>
+        <p:txBody>
+          <a:bodyPr/>
+          <a:lstStyle/>
+          <a:p>
+            <a:r>
+              <a:rPr lang="en-US" dirty="0" smtClean="0">
+                <a:solidFill>
+                  <a:srgbClr val="00B050"/>
+                </a:solidFill>
+              </a:rPr>
+              <a:t>Bare &amp; Shared Repo’s</a:t>
+            </a:r>
+            <a:endParaRPr lang="en-US" dirty="0">
+              <a:solidFill>
+                <a:srgbClr val="00B050"/>
+              </a:solidFill>
+            </a:endParaRPr>
+          </a:p>
+        </p:txBody>
+      </p:sp>
+      <p:pic>
+        <p:nvPicPr>
+          <p:cNvPr id="1026" name="Picture 2" descr="C:\Users\kvenkat\Pictures\repositorio-git1.jpg"/>
+          <p:cNvPicPr>
+            <a:picLocks noGrp="1" noChangeAspect="1" noChangeArrowheads="1"/>
+          </p:cNvPicPr>
+          <p:nvPr>
+            <p:ph idx="1"/>
+          </p:nvPr>
+        </p:nvPicPr>
+        <p:blipFill>
+          <a:blip r:embed="rId2">
+            <a:extLst>
+              <a:ext uri="{28A0092B-C50C-407E-A947-70E740481C1C}">
+                <a14:useLocalDpi xmlns:a14="http://schemas.microsoft.com/office/drawing/2010/main" val="0"/>
+              </a:ext>
+            </a:extLst>
+          </a:blip>
+          <a:srcRect/>
+          <a:stretch>
+            <a:fillRect/>
+          </a:stretch>
+        </p:blipFill>
+        <p:spPr bwMode="auto">
+          <a:xfrm>
+            <a:off x="621827" y="530557"/>
+            <a:ext cx="3858051" cy="2819400"/>
+          </a:xfrm>
+          <a:prstGeom prst="rect">
+            <a:avLst/>
+          </a:prstGeom>
+          <a:noFill/>
+          <a:extLst>
+            <a:ext uri="{909E8E84-426E-40DD-AFC4-6F175D3DCCD1}">
+              <a14:hiddenFill xmlns:a14="http://schemas.microsoft.com/office/drawing/2010/main">
+                <a:solidFill>
+                  <a:srgbClr val="FFFFFF"/>
+                </a:solidFill>
+              </a14:hiddenFill>
+            </a:ext>
+          </a:extLst>
+        </p:spPr>
+      </p:pic>
+      <p:pic>
+        <p:nvPicPr>
+          <p:cNvPr id="1027" name="Picture 3" descr="C:\Users\kvenkat\Pictures\Bare-NonBare-Repos-1.png"/>
+          <p:cNvPicPr>
+            <a:picLocks noChangeAspect="1" noChangeArrowheads="1"/>
+          </p:cNvPicPr>
+          <p:nvPr/>
+        </p:nvPicPr>
+        <p:blipFill>
+          <a:blip r:embed="rId3">
+            <a:extLst>
+              <a:ext uri="{28A0092B-C50C-407E-A947-70E740481C1C}">
+                <a14:useLocalDpi xmlns:a14="http://schemas.microsoft.com/office/drawing/2010/main" val="0"/>
+              </a:ext>
+            </a:extLst>
+          </a:blip>
+          <a:srcRect/>
+          <a:stretch>
+            <a:fillRect/>
+          </a:stretch>
+        </p:blipFill>
+        <p:spPr bwMode="auto">
+          <a:xfrm>
+            <a:off x="4495800" y="530557"/>
+            <a:ext cx="4114801" cy="2819400"/>
+          </a:xfrm>
+          <a:prstGeom prst="rect">
+            <a:avLst/>
+          </a:prstGeom>
+          <a:noFill/>
+          <a:extLst>
+            <a:ext uri="{909E8E84-426E-40DD-AFC4-6F175D3DCCD1}">
+              <a14:hiddenFill xmlns:a14="http://schemas.microsoft.com/office/drawing/2010/main">
+                <a:solidFill>
+                  <a:srgbClr val="FFFFFF"/>
+                </a:solidFill>
+              </a14:hiddenFill>
+            </a:ext>
+          </a:extLst>
+        </p:spPr>
+      </p:pic>
+      <p:sp>
+        <p:nvSpPr>
+          <p:cNvPr id="4" name="Rectangle 3"/>
+          <p:cNvSpPr/>
+          <p:nvPr/>
+        </p:nvSpPr>
+        <p:spPr>
+          <a:xfrm>
+            <a:off x="685800" y="3429000"/>
+            <a:ext cx="7391400" cy="2554545"/>
+          </a:xfrm>
+          <a:prstGeom prst="rect">
+            <a:avLst/>
+          </a:prstGeom>
+        </p:spPr>
+        <p:txBody>
+          <a:bodyPr wrap="square">
+            <a:spAutoFit/>
+          </a:bodyPr>
+          <a:lstStyle/>
+          <a:p>
+            <a:r>
+              <a:rPr lang="en-US" sz="2000" b="1" dirty="0"/>
+              <a:t>Bare and Shared </a:t>
+            </a:r>
+            <a:r>
+              <a:rPr lang="en-US" sz="2000" b="1" dirty="0" smtClean="0"/>
+              <a:t>Repo(Central Repo)</a:t>
+            </a:r>
+          </a:p>
+          <a:p>
+            <a:r>
+              <a:rPr lang="en-US" sz="2000" dirty="0" smtClean="0"/>
+              <a:t>– </a:t>
+            </a:r>
+            <a:r>
+              <a:rPr lang="en-US" sz="2000" dirty="0"/>
+              <a:t>No Working </a:t>
+            </a:r>
+            <a:r>
+              <a:rPr lang="en-US" sz="2000" dirty="0" smtClean="0"/>
+              <a:t>Directory(Remote)- </a:t>
+            </a:r>
+          </a:p>
+          <a:p>
+            <a:r>
+              <a:rPr lang="en-US" sz="2000" dirty="0"/>
+              <a:t>– Admin </a:t>
+            </a:r>
+            <a:r>
+              <a:rPr lang="en-US" sz="2000" dirty="0" smtClean="0"/>
+              <a:t>Creates it using GitLab.</a:t>
+            </a:r>
+          </a:p>
+          <a:p>
+            <a:endParaRPr lang="en-US" sz="2000" dirty="0"/>
+          </a:p>
+          <a:p>
+            <a:r>
+              <a:rPr lang="en-US" sz="2000" b="1" dirty="0"/>
+              <a:t>Non Bare </a:t>
+            </a:r>
+            <a:r>
+              <a:rPr lang="en-US" sz="2000" b="1" dirty="0" smtClean="0"/>
+              <a:t>Repo(Developer Repo’s)</a:t>
+            </a:r>
+          </a:p>
+          <a:p>
+            <a:r>
+              <a:rPr lang="en-US" sz="2000" dirty="0" smtClean="0"/>
+              <a:t>– Has Working Directory(Developer Machine)</a:t>
+            </a:r>
+          </a:p>
+          <a:p>
+            <a:r>
+              <a:rPr lang="en-US" sz="2000" dirty="0"/>
+              <a:t>– </a:t>
+            </a:r>
+            <a:r>
+              <a:rPr lang="en-US" sz="2000" dirty="0" smtClean="0"/>
+              <a:t>Developer creates using Source Tree/ Tortoise GIT or    </a:t>
+            </a:r>
+          </a:p>
+          <a:p>
+            <a:r>
+              <a:rPr lang="en-US" sz="2000" dirty="0"/>
+              <a:t> </a:t>
+            </a:r>
+            <a:r>
+              <a:rPr lang="en-US" sz="2000" dirty="0" smtClean="0"/>
+              <a:t>  Command Prompt.</a:t>
+            </a:r>
+            <a:endParaRPr lang="en-US" sz="2000" dirty="0"/>
+          </a:p>
+        </p:txBody>
+      </p:sp>
+    </p:spTree>
+    <p:extLst>
+      <p:ext uri="{BB962C8B-B14F-4D97-AF65-F5344CB8AC3E}">
+        <p14:creationId xmlns:p14="http://schemas.microsoft.com/office/powerpoint/2010/main" val="4062450917"/>
+      </p:ext>
+    </p:extLst>
+  </p:cSld>
+  <p:clrMapOvr>
+    <a:masterClrMapping/>
+  </p:clrMapOvr>
+  <p:timing>
+    <p:tnLst>
+      <p:par>
+        <p:cTn id="1" dur="indefinite" restart="never" nodeType="tmRoot"/>
+      </p:par>
+    </p:tnLst>
+  </p:timing>
+</p:sld>
+</file>
+
+<file path=ppt/slides/slide3.xml><?xml version="1.0" encoding="utf-8"?>
 <p:sld xmlns:a="http://schemas.openxmlformats.org/drawingml/2006/main" xmlns:r="http://schemas.openxmlformats.org/officeDocument/2006/relationships" xmlns:p="http://schemas.openxmlformats.org/presentationml/2006/main">
   <p:cSld>
     <p:spTree>
